--- a/assets/Dokumente/Pitchslide_ENG.pptx
+++ b/assets/Dokumente/Pitchslide_ENG.pptx
@@ -14242,7 +14242,7 @@
           </a:ln>
           <a:extLst>
             <a:ext uri="{C572A759-6A51-4108-AA02-DFA0A04FC94B}">
-              <ma14:wrappingTextBoxFlag xmlns:ma14="http://schemas.microsoft.com/office/mac/drawingml/2011/main" xmlns="" val="1"/>
+              <ma14:wrappingTextBoxFlag xmlns="" xmlns:ma14="http://schemas.microsoft.com/office/mac/drawingml/2011/main" val="1"/>
             </a:ext>
           </a:extLst>
         </p:spPr>
